--- a/reports/Active Learning for Grid Security.pptx
+++ b/reports/Active Learning for Grid Security.pptx
@@ -4356,17 +4356,17 @@
         </p:blipFill>
         <p:spPr>
           <a:xfrm>
-            <a:off x="6096000" y="1358194"/>
+            <a:off x="7846979" y="4096797"/>
             <a:ext cx="3324857" cy="2492374"/>
           </a:xfrm>
         </p:spPr>
       </p:pic>
       <p:pic>
         <p:nvPicPr>
-          <p:cNvPr id="5" name="Slika 4">
-            <a:extLst>
-              <a:ext uri="{FF2B5EF4-FFF2-40B4-BE49-F238E27FC236}">
-                <a16:creationId xmlns:a16="http://schemas.microsoft.com/office/drawing/2014/main" id="{A7C79836-4DB2-AEFD-D80D-474372EFFD9A}"/>
+          <p:cNvPr id="9" name="Slika 8">
+            <a:extLst>
+              <a:ext uri="{FF2B5EF4-FFF2-40B4-BE49-F238E27FC236}">
+                <a16:creationId xmlns:a16="http://schemas.microsoft.com/office/drawing/2014/main" id="{3DCD6B98-FD32-288B-A0E1-CF4974F290EF}"/>
               </a:ext>
             </a:extLst>
           </p:cNvPr>
@@ -4383,8 +4383,8 @@
         </p:blipFill>
         <p:spPr>
           <a:xfrm>
-            <a:off x="1742666" y="1358194"/>
-            <a:ext cx="3384706" cy="2492374"/>
+            <a:off x="369265" y="4096797"/>
+            <a:ext cx="3225867" cy="2396078"/>
           </a:xfrm>
           <a:prstGeom prst="rect">
             <a:avLst/>
@@ -4393,10 +4393,10 @@
       </p:pic>
       <p:pic>
         <p:nvPicPr>
-          <p:cNvPr id="9" name="Slika 8">
-            <a:extLst>
-              <a:ext uri="{FF2B5EF4-FFF2-40B4-BE49-F238E27FC236}">
-                <a16:creationId xmlns:a16="http://schemas.microsoft.com/office/drawing/2014/main" id="{3DCD6B98-FD32-288B-A0E1-CF4974F290EF}"/>
+          <p:cNvPr id="11" name="Slika 10">
+            <a:extLst>
+              <a:ext uri="{FF2B5EF4-FFF2-40B4-BE49-F238E27FC236}">
+                <a16:creationId xmlns:a16="http://schemas.microsoft.com/office/drawing/2014/main" id="{81D498BA-A776-EA0F-2D4A-46334C0305AA}"/>
               </a:ext>
             </a:extLst>
           </p:cNvPr>
@@ -4413,8 +4413,8 @@
         </p:blipFill>
         <p:spPr>
           <a:xfrm>
-            <a:off x="1857597" y="4013294"/>
-            <a:ext cx="3225867" cy="2396078"/>
+            <a:off x="3829455" y="4030958"/>
+            <a:ext cx="3324857" cy="2461917"/>
           </a:xfrm>
           <a:prstGeom prst="rect">
             <a:avLst/>
@@ -4423,10 +4423,10 @@
       </p:pic>
       <p:pic>
         <p:nvPicPr>
-          <p:cNvPr id="11" name="Slika 10">
-            <a:extLst>
-              <a:ext uri="{FF2B5EF4-FFF2-40B4-BE49-F238E27FC236}">
-                <a16:creationId xmlns:a16="http://schemas.microsoft.com/office/drawing/2014/main" id="{81D498BA-A776-EA0F-2D4A-46334C0305AA}"/>
+          <p:cNvPr id="4" name="Slika 3">
+            <a:extLst>
+              <a:ext uri="{FF2B5EF4-FFF2-40B4-BE49-F238E27FC236}">
+                <a16:creationId xmlns:a16="http://schemas.microsoft.com/office/drawing/2014/main" id="{214CCFAA-FE6D-CD11-600E-33B03DEAD596}"/>
               </a:ext>
             </a:extLst>
           </p:cNvPr>
@@ -4443,8 +4443,38 @@
         </p:blipFill>
         <p:spPr>
           <a:xfrm>
-            <a:off x="6096000" y="4013294"/>
-            <a:ext cx="3324857" cy="2461917"/>
+            <a:off x="1931266" y="1393189"/>
+            <a:ext cx="3327732" cy="2492375"/>
+          </a:xfrm>
+          <a:prstGeom prst="rect">
+            <a:avLst/>
+          </a:prstGeom>
+        </p:spPr>
+      </p:pic>
+      <p:pic>
+        <p:nvPicPr>
+          <p:cNvPr id="8" name="Slika 7">
+            <a:extLst>
+              <a:ext uri="{FF2B5EF4-FFF2-40B4-BE49-F238E27FC236}">
+                <a16:creationId xmlns:a16="http://schemas.microsoft.com/office/drawing/2014/main" id="{4F61DDD2-FDFD-FEF2-52E3-655A1502EC1A}"/>
+              </a:ext>
+            </a:extLst>
+          </p:cNvPr>
+          <p:cNvPicPr>
+            <a:picLocks noChangeAspect="1"/>
+          </p:cNvPicPr>
+          <p:nvPr/>
+        </p:nvPicPr>
+        <p:blipFill>
+          <a:blip r:embed="rId6"/>
+          <a:stretch>
+            <a:fillRect/>
+          </a:stretch>
+        </p:blipFill>
+        <p:spPr>
+          <a:xfrm>
+            <a:off x="5748153" y="1393189"/>
+            <a:ext cx="3416167" cy="2518150"/>
           </a:xfrm>
           <a:prstGeom prst="rect">
             <a:avLst/>
